--- a/宣道詩/(宣道詩182)凡是願意者.pptx
+++ b/宣道詩/(宣道詩182)凡是願意者.pptx
@@ -12,7 +12,7 @@
     <p:sldId id="260" r:id="rId6"/>
     <p:sldId id="261" r:id="rId7"/>
   </p:sldIdLst>
-  <p:sldSz cx="9144000" cy="6858000" type="screen4x3"/>
+  <p:sldSz cx="12192000" cy="6858000"/>
   <p:notesSz cx="6858000" cy="9144000"/>
   <p:defaultTextStyle>
     <a:defPPr>
@@ -109,6 +109,22 @@
       </a:defRPr>
     </a:lvl9pPr>
   </p:defaultTextStyle>
+  <p:extLst>
+    <p:ext uri="{EFAFB233-063F-42B5-8137-9DF3F51BA10A}">
+      <p15:sldGuideLst xmlns:p15="http://schemas.microsoft.com/office/powerpoint/2012/main">
+        <p15:guide id="1" orient="horz" pos="2160" userDrawn="1">
+          <p15:clr>
+            <a:srgbClr val="A4A3A4"/>
+          </p15:clr>
+        </p15:guide>
+        <p15:guide id="2" pos="3840" userDrawn="1">
+          <p15:clr>
+            <a:srgbClr val="A4A3A4"/>
+          </p15:clr>
+        </p15:guide>
+      </p15:sldGuideLst>
+    </p:ext>
+  </p:extLst>
 </p:presentation>
 </file>
 
@@ -141,8 +157,8 @@
         </p:nvSpPr>
         <p:spPr>
           <a:xfrm>
-            <a:off x="685800" y="2130425"/>
-            <a:ext cx="7772400" cy="1470025"/>
+            <a:off x="914400" y="2130426"/>
+            <a:ext cx="10363200" cy="1470025"/>
           </a:xfrm>
         </p:spPr>
         <p:txBody>
@@ -169,8 +185,8 @@
         </p:nvSpPr>
         <p:spPr>
           <a:xfrm>
-            <a:off x="1371600" y="3886200"/>
-            <a:ext cx="6400800" cy="1752600"/>
+            <a:off x="1828800" y="3886200"/>
+            <a:ext cx="8534400" cy="1752600"/>
           </a:xfrm>
         </p:spPr>
         <p:txBody>
@@ -293,7 +309,7 @@
           <a:p>
             <a:fld id="{08167DFC-CF00-43BD-9BAA-585FE3E44A7A}" type="datetimeFigureOut">
               <a:rPr lang="zh-TW" altLang="en-US" smtClean="0"/>
-              <a:t>2018/11/17</a:t>
+              <a:t>2020/10/22</a:t>
             </a:fld>
             <a:endParaRPr lang="zh-TW" altLang="en-US"/>
           </a:p>
@@ -458,7 +474,7 @@
           <a:p>
             <a:fld id="{08167DFC-CF00-43BD-9BAA-585FE3E44A7A}" type="datetimeFigureOut">
               <a:rPr lang="zh-TW" altLang="en-US" smtClean="0"/>
-              <a:t>2018/11/17</a:t>
+              <a:t>2020/10/22</a:t>
             </a:fld>
             <a:endParaRPr lang="zh-TW" altLang="en-US"/>
           </a:p>
@@ -543,8 +559,8 @@
         </p:nvSpPr>
         <p:spPr>
           <a:xfrm>
-            <a:off x="6629400" y="274638"/>
-            <a:ext cx="2057400" cy="5851525"/>
+            <a:off x="8839200" y="274639"/>
+            <a:ext cx="2743200" cy="5851525"/>
           </a:xfrm>
         </p:spPr>
         <p:txBody>
@@ -571,8 +587,8 @@
         </p:nvSpPr>
         <p:spPr>
           <a:xfrm>
-            <a:off x="457200" y="274638"/>
-            <a:ext cx="6019800" cy="5851525"/>
+            <a:off x="609600" y="274639"/>
+            <a:ext cx="8026400" cy="5851525"/>
           </a:xfrm>
         </p:spPr>
         <p:txBody>
@@ -633,7 +649,7 @@
           <a:p>
             <a:fld id="{08167DFC-CF00-43BD-9BAA-585FE3E44A7A}" type="datetimeFigureOut">
               <a:rPr lang="zh-TW" altLang="en-US" smtClean="0"/>
-              <a:t>2018/11/17</a:t>
+              <a:t>2020/10/22</a:t>
             </a:fld>
             <a:endParaRPr lang="zh-TW" altLang="en-US"/>
           </a:p>
@@ -798,7 +814,7 @@
           <a:p>
             <a:fld id="{08167DFC-CF00-43BD-9BAA-585FE3E44A7A}" type="datetimeFigureOut">
               <a:rPr lang="zh-TW" altLang="en-US" smtClean="0"/>
-              <a:t>2018/11/17</a:t>
+              <a:t>2020/10/22</a:t>
             </a:fld>
             <a:endParaRPr lang="zh-TW" altLang="en-US"/>
           </a:p>
@@ -883,8 +899,8 @@
         </p:nvSpPr>
         <p:spPr>
           <a:xfrm>
-            <a:off x="722313" y="4406900"/>
-            <a:ext cx="7772400" cy="1362075"/>
+            <a:off x="963084" y="4406901"/>
+            <a:ext cx="10363200" cy="1362075"/>
           </a:xfrm>
         </p:spPr>
         <p:txBody>
@@ -915,8 +931,8 @@
         </p:nvSpPr>
         <p:spPr>
           <a:xfrm>
-            <a:off x="722313" y="2906713"/>
-            <a:ext cx="7772400" cy="1500187"/>
+            <a:off x="963084" y="2906713"/>
+            <a:ext cx="10363200" cy="1500187"/>
           </a:xfrm>
         </p:spPr>
         <p:txBody>
@@ -1039,7 +1055,7 @@
           <a:p>
             <a:fld id="{08167DFC-CF00-43BD-9BAA-585FE3E44A7A}" type="datetimeFigureOut">
               <a:rPr lang="zh-TW" altLang="en-US" smtClean="0"/>
-              <a:t>2018/11/17</a:t>
+              <a:t>2020/10/22</a:t>
             </a:fld>
             <a:endParaRPr lang="zh-TW" altLang="en-US"/>
           </a:p>
@@ -1147,8 +1163,8 @@
         </p:nvSpPr>
         <p:spPr>
           <a:xfrm>
-            <a:off x="457200" y="1600200"/>
-            <a:ext cx="4038600" cy="4525963"/>
+            <a:off x="609600" y="1600201"/>
+            <a:ext cx="5384800" cy="4525963"/>
           </a:xfrm>
         </p:spPr>
         <p:txBody>
@@ -1232,8 +1248,8 @@
         </p:nvSpPr>
         <p:spPr>
           <a:xfrm>
-            <a:off x="4648200" y="1600200"/>
-            <a:ext cx="4038600" cy="4525963"/>
+            <a:off x="6197600" y="1600201"/>
+            <a:ext cx="5384800" cy="4525963"/>
           </a:xfrm>
         </p:spPr>
         <p:txBody>
@@ -1322,7 +1338,7 @@
           <a:p>
             <a:fld id="{08167DFC-CF00-43BD-9BAA-585FE3E44A7A}" type="datetimeFigureOut">
               <a:rPr lang="zh-TW" altLang="en-US" smtClean="0"/>
-              <a:t>2018/11/17</a:t>
+              <a:t>2020/10/22</a:t>
             </a:fld>
             <a:endParaRPr lang="zh-TW" altLang="en-US"/>
           </a:p>
@@ -1434,8 +1450,8 @@
         </p:nvSpPr>
         <p:spPr>
           <a:xfrm>
-            <a:off x="457200" y="1535113"/>
-            <a:ext cx="4040188" cy="639762"/>
+            <a:off x="609600" y="1535113"/>
+            <a:ext cx="5386917" cy="639762"/>
           </a:xfrm>
         </p:spPr>
         <p:txBody>
@@ -1499,8 +1515,8 @@
         </p:nvSpPr>
         <p:spPr>
           <a:xfrm>
-            <a:off x="457200" y="2174875"/>
-            <a:ext cx="4040188" cy="3951288"/>
+            <a:off x="609600" y="2174875"/>
+            <a:ext cx="5386917" cy="3951288"/>
           </a:xfrm>
         </p:spPr>
         <p:txBody>
@@ -1584,8 +1600,8 @@
         </p:nvSpPr>
         <p:spPr>
           <a:xfrm>
-            <a:off x="4645025" y="1535113"/>
-            <a:ext cx="4041775" cy="639762"/>
+            <a:off x="6193368" y="1535113"/>
+            <a:ext cx="5389033" cy="639762"/>
           </a:xfrm>
         </p:spPr>
         <p:txBody>
@@ -1649,8 +1665,8 @@
         </p:nvSpPr>
         <p:spPr>
           <a:xfrm>
-            <a:off x="4645025" y="2174875"/>
-            <a:ext cx="4041775" cy="3951288"/>
+            <a:off x="6193368" y="2174875"/>
+            <a:ext cx="5389033" cy="3951288"/>
           </a:xfrm>
         </p:spPr>
         <p:txBody>
@@ -1739,7 +1755,7 @@
           <a:p>
             <a:fld id="{08167DFC-CF00-43BD-9BAA-585FE3E44A7A}" type="datetimeFigureOut">
               <a:rPr lang="zh-TW" altLang="en-US" smtClean="0"/>
-              <a:t>2018/11/17</a:t>
+              <a:t>2020/10/22</a:t>
             </a:fld>
             <a:endParaRPr lang="zh-TW" altLang="en-US"/>
           </a:p>
@@ -1852,7 +1868,7 @@
           <a:p>
             <a:fld id="{08167DFC-CF00-43BD-9BAA-585FE3E44A7A}" type="datetimeFigureOut">
               <a:rPr lang="zh-TW" altLang="en-US" smtClean="0"/>
-              <a:t>2018/11/17</a:t>
+              <a:t>2020/10/22</a:t>
             </a:fld>
             <a:endParaRPr lang="zh-TW" altLang="en-US"/>
           </a:p>
@@ -1942,7 +1958,7 @@
           <a:p>
             <a:fld id="{08167DFC-CF00-43BD-9BAA-585FE3E44A7A}" type="datetimeFigureOut">
               <a:rPr lang="zh-TW" altLang="en-US" smtClean="0"/>
-              <a:t>2018/11/17</a:t>
+              <a:t>2020/10/22</a:t>
             </a:fld>
             <a:endParaRPr lang="zh-TW" altLang="en-US"/>
           </a:p>
@@ -2027,8 +2043,8 @@
         </p:nvSpPr>
         <p:spPr>
           <a:xfrm>
-            <a:off x="457200" y="273050"/>
-            <a:ext cx="3008313" cy="1162050"/>
+            <a:off x="609601" y="273050"/>
+            <a:ext cx="4011084" cy="1162050"/>
           </a:xfrm>
         </p:spPr>
         <p:txBody>
@@ -2059,8 +2075,8 @@
         </p:nvSpPr>
         <p:spPr>
           <a:xfrm>
-            <a:off x="3575050" y="273050"/>
-            <a:ext cx="5111750" cy="5853113"/>
+            <a:off x="4766733" y="273051"/>
+            <a:ext cx="6815667" cy="5853113"/>
           </a:xfrm>
         </p:spPr>
         <p:txBody>
@@ -2144,8 +2160,8 @@
         </p:nvSpPr>
         <p:spPr>
           <a:xfrm>
-            <a:off x="457200" y="1435100"/>
-            <a:ext cx="3008313" cy="4691063"/>
+            <a:off x="609601" y="1435101"/>
+            <a:ext cx="4011084" cy="4691063"/>
           </a:xfrm>
         </p:spPr>
         <p:txBody>
@@ -2214,7 +2230,7 @@
           <a:p>
             <a:fld id="{08167DFC-CF00-43BD-9BAA-585FE3E44A7A}" type="datetimeFigureOut">
               <a:rPr lang="zh-TW" altLang="en-US" smtClean="0"/>
-              <a:t>2018/11/17</a:t>
+              <a:t>2020/10/22</a:t>
             </a:fld>
             <a:endParaRPr lang="zh-TW" altLang="en-US"/>
           </a:p>
@@ -2299,8 +2315,8 @@
         </p:nvSpPr>
         <p:spPr>
           <a:xfrm>
-            <a:off x="1792288" y="4800600"/>
-            <a:ext cx="5486400" cy="566738"/>
+            <a:off x="2389717" y="4800600"/>
+            <a:ext cx="7315200" cy="566738"/>
           </a:xfrm>
         </p:spPr>
         <p:txBody>
@@ -2331,8 +2347,8 @@
         </p:nvSpPr>
         <p:spPr>
           <a:xfrm>
-            <a:off x="1792288" y="612775"/>
-            <a:ext cx="5486400" cy="4114800"/>
+            <a:off x="2389717" y="612775"/>
+            <a:ext cx="7315200" cy="4114800"/>
           </a:xfrm>
         </p:spPr>
         <p:txBody>
@@ -2396,8 +2412,8 @@
         </p:nvSpPr>
         <p:spPr>
           <a:xfrm>
-            <a:off x="1792288" y="5367338"/>
-            <a:ext cx="5486400" cy="804862"/>
+            <a:off x="2389717" y="5367338"/>
+            <a:ext cx="7315200" cy="804862"/>
           </a:xfrm>
         </p:spPr>
         <p:txBody>
@@ -2466,7 +2482,7 @@
           <a:p>
             <a:fld id="{08167DFC-CF00-43BD-9BAA-585FE3E44A7A}" type="datetimeFigureOut">
               <a:rPr lang="zh-TW" altLang="en-US" smtClean="0"/>
-              <a:t>2018/11/17</a:t>
+              <a:t>2020/10/22</a:t>
             </a:fld>
             <a:endParaRPr lang="zh-TW" altLang="en-US"/>
           </a:p>
@@ -2561,8 +2577,8 @@
         </p:nvSpPr>
         <p:spPr>
           <a:xfrm>
-            <a:off x="457200" y="274638"/>
-            <a:ext cx="8229600" cy="1143000"/>
+            <a:off x="609600" y="274638"/>
+            <a:ext cx="10972800" cy="1143000"/>
           </a:xfrm>
           <a:prstGeom prst="rect">
             <a:avLst/>
@@ -2594,8 +2610,8 @@
         </p:nvSpPr>
         <p:spPr>
           <a:xfrm>
-            <a:off x="457200" y="1600200"/>
-            <a:ext cx="8229600" cy="4525963"/>
+            <a:off x="609600" y="1600201"/>
+            <a:ext cx="10972800" cy="4525963"/>
           </a:xfrm>
           <a:prstGeom prst="rect">
             <a:avLst/>
@@ -2656,8 +2672,8 @@
         </p:nvSpPr>
         <p:spPr>
           <a:xfrm>
-            <a:off x="457200" y="6356350"/>
-            <a:ext cx="2133600" cy="365125"/>
+            <a:off x="609600" y="6356351"/>
+            <a:ext cx="2844800" cy="365125"/>
           </a:xfrm>
           <a:prstGeom prst="rect">
             <a:avLst/>
@@ -2679,7 +2695,7 @@
           <a:p>
             <a:fld id="{08167DFC-CF00-43BD-9BAA-585FE3E44A7A}" type="datetimeFigureOut">
               <a:rPr lang="zh-TW" altLang="en-US" smtClean="0"/>
-              <a:t>2018/11/17</a:t>
+              <a:t>2020/10/22</a:t>
             </a:fld>
             <a:endParaRPr lang="zh-TW" altLang="en-US"/>
           </a:p>
@@ -2697,8 +2713,8 @@
         </p:nvSpPr>
         <p:spPr>
           <a:xfrm>
-            <a:off x="3124200" y="6356350"/>
-            <a:ext cx="2895600" cy="365125"/>
+            <a:off x="4165600" y="6356351"/>
+            <a:ext cx="3860800" cy="365125"/>
           </a:xfrm>
           <a:prstGeom prst="rect">
             <a:avLst/>
@@ -2734,8 +2750,8 @@
         </p:nvSpPr>
         <p:spPr>
           <a:xfrm>
-            <a:off x="6553200" y="6356350"/>
-            <a:ext cx="2133600" cy="365125"/>
+            <a:off x="8737600" y="6356351"/>
+            <a:ext cx="2844800" cy="365125"/>
           </a:xfrm>
           <a:prstGeom prst="rect">
             <a:avLst/>
@@ -3061,11 +3077,13 @@
         </p:nvSpPr>
         <p:spPr/>
         <p:txBody>
-          <a:bodyPr/>
-          <a:lstStyle/>
-          <a:p>
-            <a:r>
-              <a:rPr lang="zh-TW" altLang="en-US" b="1" dirty="0" smtClean="0">
+          <a:bodyPr>
+            <a:normAutofit/>
+          </a:bodyPr>
+          <a:lstStyle/>
+          <a:p>
+            <a:r>
+              <a:rPr lang="zh-TW" altLang="en-US" sz="4800" b="1" dirty="0" smtClean="0">
                 <a:solidFill>
                   <a:srgbClr val="000066"/>
                 </a:solidFill>
@@ -3074,7 +3092,7 @@
               </a:rPr>
               <a:t>凡是願意者</a:t>
             </a:r>
-            <a:endParaRPr lang="zh-TW" altLang="en-US" b="1" dirty="0">
+            <a:endParaRPr lang="zh-TW" altLang="en-US" sz="4800" b="1" dirty="0">
               <a:solidFill>
                 <a:srgbClr val="000066"/>
               </a:solidFill>
@@ -3105,7 +3123,7 @@
               <a:buNone/>
             </a:pPr>
             <a:r>
-              <a:rPr lang="zh-CN" altLang="en-US" sz="5400" b="1" dirty="0" smtClean="0">
+              <a:rPr lang="zh-CN" altLang="en-US" sz="5400" b="1" dirty="0">
                 <a:solidFill>
                   <a:srgbClr val="000066"/>
                 </a:solidFill>
@@ -3115,27 +3133,17 @@
               <a:t>當用大聲呼曰</a:t>
             </a:r>
             <a:r>
-              <a:rPr lang="en-US" altLang="zh-CN" sz="5400" b="1" dirty="0" smtClean="0">
+              <a:rPr lang="en-US" altLang="zh-CN" sz="5400" b="1" dirty="0">
                 <a:solidFill>
                   <a:srgbClr val="000066"/>
                 </a:solidFill>
                 <a:latin typeface="微軟正黑體" pitchFamily="34" charset="-120"/>
                 <a:ea typeface="微軟正黑體" pitchFamily="34" charset="-120"/>
               </a:rPr>
-              <a:t> </a:t>
-            </a:r>
-            <a:r>
-              <a:rPr lang="en-US" altLang="zh-CN" sz="5400" b="1" dirty="0" smtClean="0">
-                <a:solidFill>
-                  <a:srgbClr val="000066"/>
-                </a:solidFill>
-                <a:latin typeface="微軟正黑體" pitchFamily="34" charset="-120"/>
-                <a:ea typeface="微軟正黑體" pitchFamily="34" charset="-120"/>
-              </a:rPr>
-              <a:t> </a:t>
-            </a:r>
-            <a:r>
-              <a:rPr lang="zh-CN" altLang="en-US" sz="5400" b="1" dirty="0" smtClean="0">
+              <a:t>  </a:t>
+            </a:r>
+            <a:r>
+              <a:rPr lang="zh-CN" altLang="en-US" sz="5400" b="1" dirty="0">
                 <a:solidFill>
                   <a:srgbClr val="000066"/>
                 </a:solidFill>
@@ -3144,7 +3152,7 @@
               </a:rPr>
               <a:t>無論誰聽者</a:t>
             </a:r>
-            <a:endParaRPr lang="en-US" altLang="zh-CN" sz="5400" b="1" dirty="0" smtClean="0">
+            <a:endParaRPr lang="en-US" altLang="zh-CN" sz="5400" b="1" dirty="0">
               <a:solidFill>
                 <a:srgbClr val="000066"/>
               </a:solidFill>
@@ -3157,7 +3165,7 @@
               <a:buNone/>
             </a:pPr>
             <a:r>
-              <a:rPr lang="zh-CN" altLang="en-US" sz="5400" b="1" dirty="0" smtClean="0">
+              <a:rPr lang="zh-CN" altLang="en-US" sz="5400" b="1" dirty="0">
                 <a:solidFill>
                   <a:srgbClr val="000066"/>
                 </a:solidFill>
@@ -3167,27 +3175,17 @@
               <a:t>傳此有福消息</a:t>
             </a:r>
             <a:r>
-              <a:rPr lang="en-US" altLang="zh-CN" sz="5400" b="1" dirty="0" smtClean="0">
+              <a:rPr lang="en-US" altLang="zh-CN" sz="5400" b="1" dirty="0">
                 <a:solidFill>
                   <a:srgbClr val="000066"/>
                 </a:solidFill>
                 <a:latin typeface="微軟正黑體" pitchFamily="34" charset="-120"/>
                 <a:ea typeface="微軟正黑體" pitchFamily="34" charset="-120"/>
               </a:rPr>
-              <a:t> </a:t>
-            </a:r>
-            <a:r>
-              <a:rPr lang="en-US" altLang="zh-CN" sz="5400" b="1" dirty="0" smtClean="0">
-                <a:solidFill>
-                  <a:srgbClr val="000066"/>
-                </a:solidFill>
-                <a:latin typeface="微軟正黑體" pitchFamily="34" charset="-120"/>
-                <a:ea typeface="微軟正黑體" pitchFamily="34" charset="-120"/>
-              </a:rPr>
-              <a:t> </a:t>
-            </a:r>
-            <a:r>
-              <a:rPr lang="zh-CN" altLang="en-US" sz="5400" b="1" dirty="0" smtClean="0">
+              <a:t>  </a:t>
+            </a:r>
+            <a:r>
+              <a:rPr lang="zh-CN" altLang="en-US" sz="5400" b="1" dirty="0">
                 <a:solidFill>
                   <a:srgbClr val="000066"/>
                 </a:solidFill>
@@ -3196,7 +3194,7 @@
               </a:rPr>
               <a:t>普遍全世界</a:t>
             </a:r>
-            <a:endParaRPr lang="en-US" altLang="zh-CN" sz="5400" b="1" dirty="0" smtClean="0">
+            <a:endParaRPr lang="en-US" altLang="zh-CN" sz="5400" b="1" dirty="0">
               <a:solidFill>
                 <a:srgbClr val="000066"/>
               </a:solidFill>
@@ -3209,7 +3207,7 @@
               <a:buNone/>
             </a:pPr>
             <a:r>
-              <a:rPr lang="zh-CN" altLang="en-US" sz="5400" b="1" dirty="0" smtClean="0">
+              <a:rPr lang="zh-CN" altLang="en-US" sz="5400" b="1" dirty="0">
                 <a:solidFill>
                   <a:srgbClr val="000066"/>
                 </a:solidFill>
@@ -3218,7 +3216,7 @@
               </a:rPr>
               <a:t>將此喜樂嘉音  宣佈於大家</a:t>
             </a:r>
-            <a:endParaRPr lang="en-US" altLang="zh-CN" sz="5400" b="1" dirty="0" smtClean="0">
+            <a:endParaRPr lang="en-US" altLang="zh-CN" sz="5400" b="1" dirty="0">
               <a:solidFill>
                 <a:srgbClr val="000066"/>
               </a:solidFill>
@@ -3231,7 +3229,7 @@
               <a:buNone/>
             </a:pPr>
             <a:r>
-              <a:rPr lang="zh-CN" altLang="en-US" sz="5400" b="1" dirty="0" smtClean="0">
+              <a:rPr lang="zh-CN" altLang="en-US" sz="5400" b="1" dirty="0">
                 <a:solidFill>
                   <a:srgbClr val="000066"/>
                 </a:solidFill>
@@ -3247,6 +3245,44 @@
               <a:latin typeface="微軟正黑體" pitchFamily="34" charset="-120"/>
               <a:ea typeface="微軟正黑體" pitchFamily="34" charset="-120"/>
             </a:endParaRPr>
+          </a:p>
+        </p:txBody>
+      </p:sp>
+      <p:sp>
+        <p:nvSpPr>
+          <p:cNvPr id="6" name="Text Box 1"/>
+          <p:cNvSpPr txBox="1"/>
+          <p:nvPr/>
+        </p:nvSpPr>
+        <p:spPr>
+          <a:xfrm>
+            <a:off x="407368" y="1700808"/>
+            <a:ext cx="1193960" cy="923330"/>
+          </a:xfrm>
+          <a:prstGeom prst="rect">
+            <a:avLst/>
+          </a:prstGeom>
+          <a:noFill/>
+          <a:ln w="9525">
+            <a:noFill/>
+            <a:miter lim="800000"/>
+          </a:ln>
+        </p:spPr>
+        <p:txBody>
+          <a:bodyPr wrap="square">
+            <a:spAutoFit/>
+          </a:bodyPr>
+          <a:lstStyle/>
+          <a:p>
+            <a:pPr algn="ctr"/>
+            <a:r>
+              <a:rPr lang="en-US" sz="5400" b="1" dirty="0">
+                <a:solidFill>
+                  <a:srgbClr val="000066"/>
+                </a:solidFill>
+              </a:rPr>
+              <a:t>1.</a:t>
+            </a:r>
           </a:p>
         </p:txBody>
       </p:sp>
@@ -3287,11 +3323,13 @@
         </p:nvSpPr>
         <p:spPr/>
         <p:txBody>
-          <a:bodyPr/>
-          <a:lstStyle/>
-          <a:p>
-            <a:r>
-              <a:rPr lang="zh-TW" altLang="en-US" b="1" dirty="0" smtClean="0">
+          <a:bodyPr>
+            <a:normAutofit/>
+          </a:bodyPr>
+          <a:lstStyle/>
+          <a:p>
+            <a:r>
+              <a:rPr lang="zh-TW" altLang="en-US" sz="4800" b="1" dirty="0">
                 <a:solidFill>
                   <a:srgbClr val="000066"/>
                 </a:solidFill>
@@ -3300,7 +3338,7 @@
               </a:rPr>
               <a:t>凡是願意者</a:t>
             </a:r>
-            <a:endParaRPr lang="zh-TW" altLang="en-US" b="1" dirty="0">
+            <a:endParaRPr lang="zh-TW" altLang="en-US" sz="4800" b="1" dirty="0">
               <a:solidFill>
                 <a:srgbClr val="000066"/>
               </a:solidFill>
@@ -3331,7 +3369,7 @@
               <a:buNone/>
             </a:pPr>
             <a:r>
-              <a:rPr lang="zh-CN" altLang="en-US" sz="5400" b="1" dirty="0" smtClean="0">
+              <a:rPr lang="zh-CN" altLang="en-US" sz="5400" b="1" dirty="0">
                 <a:solidFill>
                   <a:srgbClr val="000066"/>
                 </a:solidFill>
@@ -3340,7 +3378,7 @@
               </a:rPr>
               <a:t>凡是願意者  凡是願意者</a:t>
             </a:r>
-            <a:endParaRPr lang="en-US" altLang="zh-CN" sz="5400" b="1" dirty="0" smtClean="0">
+            <a:endParaRPr lang="en-US" altLang="zh-CN" sz="5400" b="1" dirty="0">
               <a:solidFill>
                 <a:srgbClr val="000066"/>
               </a:solidFill>
@@ -3353,7 +3391,7 @@
               <a:buNone/>
             </a:pPr>
             <a:r>
-              <a:rPr lang="zh-CN" altLang="en-US" sz="5400" b="1" dirty="0" smtClean="0">
+              <a:rPr lang="zh-CN" altLang="en-US" sz="5400" b="1" dirty="0">
                 <a:solidFill>
                   <a:srgbClr val="000066"/>
                 </a:solidFill>
@@ -3362,7 +3400,7 @@
               </a:rPr>
               <a:t>無論男女老幼請及早悔改</a:t>
             </a:r>
-            <a:endParaRPr lang="en-US" altLang="zh-CN" sz="5400" b="1" dirty="0" smtClean="0">
+            <a:endParaRPr lang="en-US" altLang="zh-CN" sz="5400" b="1" dirty="0">
               <a:solidFill>
                 <a:srgbClr val="000066"/>
               </a:solidFill>
@@ -3375,26 +3413,16 @@
               <a:buNone/>
             </a:pPr>
             <a:r>
-              <a:rPr lang="zh-CN" altLang="en-US" sz="5400" b="1" dirty="0" smtClean="0">
+              <a:rPr lang="zh-CN" altLang="en-US" sz="5400" b="1" dirty="0">
                 <a:solidFill>
                   <a:srgbClr val="000066"/>
                 </a:solidFill>
                 <a:latin typeface="微軟正黑體" pitchFamily="34" charset="-120"/>
                 <a:ea typeface="微軟正黑體" pitchFamily="34" charset="-120"/>
               </a:rPr>
-              <a:t>這</a:t>
-            </a:r>
-            <a:r>
-              <a:rPr lang="zh-CN" altLang="en-US" sz="5400" b="1" dirty="0" smtClean="0">
-                <a:solidFill>
-                  <a:srgbClr val="000066"/>
-                </a:solidFill>
-                <a:latin typeface="微軟正黑體" pitchFamily="34" charset="-120"/>
-                <a:ea typeface="微軟正黑體" pitchFamily="34" charset="-120"/>
-              </a:rPr>
-              <a:t>是慈愛天父喚浪子回家</a:t>
-            </a:r>
-            <a:endParaRPr lang="en-US" altLang="zh-CN" sz="5400" b="1" dirty="0" smtClean="0">
+              <a:t>這是慈愛天父喚浪子回家</a:t>
+            </a:r>
+            <a:endParaRPr lang="en-US" altLang="zh-CN" sz="5400" b="1" dirty="0">
               <a:solidFill>
                 <a:srgbClr val="000066"/>
               </a:solidFill>
@@ -3407,14 +3435,14 @@
               <a:buNone/>
             </a:pPr>
             <a:r>
-              <a:rPr lang="zh-CN" altLang="en-US" sz="5400" b="1" dirty="0" smtClean="0">
+              <a:rPr lang="zh-CN" altLang="en-US" sz="5400" b="1" dirty="0">
                 <a:solidFill>
                   <a:srgbClr val="000066"/>
                 </a:solidFill>
                 <a:latin typeface="微軟正黑體" pitchFamily="34" charset="-120"/>
                 <a:ea typeface="微軟正黑體" pitchFamily="34" charset="-120"/>
               </a:rPr>
-              <a:t>凡是願意者</a:t>
+              <a:t>凡是願意者可來</a:t>
             </a:r>
             <a:endParaRPr lang="zh-TW" altLang="en-US" sz="5400" b="1" dirty="0">
               <a:solidFill>
@@ -3463,11 +3491,13 @@
         </p:nvSpPr>
         <p:spPr/>
         <p:txBody>
-          <a:bodyPr/>
-          <a:lstStyle/>
-          <a:p>
-            <a:r>
-              <a:rPr lang="zh-TW" altLang="en-US" b="1" dirty="0" smtClean="0">
+          <a:bodyPr>
+            <a:normAutofit/>
+          </a:bodyPr>
+          <a:lstStyle/>
+          <a:p>
+            <a:r>
+              <a:rPr lang="zh-TW" altLang="en-US" sz="4800" b="1" dirty="0">
                 <a:solidFill>
                   <a:srgbClr val="000066"/>
                 </a:solidFill>
@@ -3476,7 +3506,7 @@
               </a:rPr>
               <a:t>凡是願意者</a:t>
             </a:r>
-            <a:endParaRPr lang="zh-TW" altLang="en-US" b="1" dirty="0">
+            <a:endParaRPr lang="zh-TW" altLang="en-US" sz="4800" b="1" dirty="0">
               <a:solidFill>
                 <a:srgbClr val="000066"/>
               </a:solidFill>
@@ -3507,7 +3537,7 @@
               <a:buNone/>
             </a:pPr>
             <a:r>
-              <a:rPr lang="zh-CN" altLang="en-US" sz="5400" b="1" dirty="0" smtClean="0">
+              <a:rPr lang="zh-CN" altLang="en-US" sz="5400" b="1" dirty="0">
                 <a:solidFill>
                   <a:srgbClr val="000066"/>
                 </a:solidFill>
@@ -3516,7 +3546,7 @@
               </a:rPr>
               <a:t>無論何人來者  趕快勿躭延</a:t>
             </a:r>
-            <a:endParaRPr lang="en-US" altLang="zh-CN" sz="5400" b="1" dirty="0" smtClean="0">
+            <a:endParaRPr lang="en-US" altLang="zh-CN" sz="5400" b="1" dirty="0">
               <a:solidFill>
                 <a:srgbClr val="000066"/>
               </a:solidFill>
@@ -3529,7 +3559,7 @@
               <a:buNone/>
             </a:pPr>
             <a:r>
-              <a:rPr lang="zh-CN" altLang="en-US" sz="5400" b="1" dirty="0" smtClean="0">
+              <a:rPr lang="zh-CN" altLang="en-US" sz="5400" b="1" dirty="0">
                 <a:solidFill>
                   <a:srgbClr val="000066"/>
                 </a:solidFill>
@@ -3538,7 +3568,7 @@
               </a:rPr>
               <a:t>現在恩門打開  願意請進來</a:t>
             </a:r>
-            <a:endParaRPr lang="en-US" altLang="zh-CN" sz="5400" b="1" dirty="0" smtClean="0">
+            <a:endParaRPr lang="en-US" altLang="zh-CN" sz="5400" b="1" dirty="0">
               <a:solidFill>
                 <a:srgbClr val="000066"/>
               </a:solidFill>
@@ -3551,26 +3581,16 @@
               <a:buNone/>
             </a:pPr>
             <a:r>
-              <a:rPr lang="zh-CN" altLang="en-US" sz="5400" b="1" dirty="0" smtClean="0">
+              <a:rPr lang="zh-CN" altLang="en-US" sz="5400" b="1" dirty="0">
                 <a:solidFill>
                   <a:srgbClr val="000066"/>
                 </a:solidFill>
                 <a:latin typeface="微軟正黑體" pitchFamily="34" charset="-120"/>
                 <a:ea typeface="微軟正黑體" pitchFamily="34" charset="-120"/>
               </a:rPr>
-              <a:t>主</a:t>
-            </a:r>
-            <a:r>
-              <a:rPr lang="zh-CN" altLang="en-US" sz="5400" b="1" dirty="0" smtClean="0">
-                <a:solidFill>
-                  <a:srgbClr val="000066"/>
-                </a:solidFill>
-                <a:latin typeface="微軟正黑體" pitchFamily="34" charset="-120"/>
-                <a:ea typeface="微軟正黑體" pitchFamily="34" charset="-120"/>
-              </a:rPr>
-              <a:t>耶穌是道路  真理並生命</a:t>
-            </a:r>
-            <a:endParaRPr lang="en-US" altLang="zh-CN" sz="5400" b="1" dirty="0" smtClean="0">
+              <a:t>主耶穌是道路  真理並生命</a:t>
+            </a:r>
+            <a:endParaRPr lang="en-US" altLang="zh-CN" sz="5400" b="1" dirty="0">
               <a:solidFill>
                 <a:srgbClr val="000066"/>
               </a:solidFill>
@@ -3583,7 +3603,7 @@
               <a:buNone/>
             </a:pPr>
             <a:r>
-              <a:rPr lang="zh-CN" altLang="en-US" sz="5400" b="1" dirty="0" smtClean="0">
+              <a:rPr lang="zh-CN" altLang="en-US" sz="5400" b="1" dirty="0">
                 <a:solidFill>
                   <a:srgbClr val="000066"/>
                 </a:solidFill>
@@ -3598,6 +3618,57 @@
               </a:solidFill>
               <a:latin typeface="微軟正黑體" pitchFamily="34" charset="-120"/>
               <a:ea typeface="微軟正黑體" pitchFamily="34" charset="-120"/>
+            </a:endParaRPr>
+          </a:p>
+        </p:txBody>
+      </p:sp>
+      <p:sp>
+        <p:nvSpPr>
+          <p:cNvPr id="6" name="Text Box 1"/>
+          <p:cNvSpPr txBox="1"/>
+          <p:nvPr/>
+        </p:nvSpPr>
+        <p:spPr>
+          <a:xfrm>
+            <a:off x="407368" y="1700808"/>
+            <a:ext cx="1193960" cy="923330"/>
+          </a:xfrm>
+          <a:prstGeom prst="rect">
+            <a:avLst/>
+          </a:prstGeom>
+          <a:noFill/>
+          <a:ln w="9525">
+            <a:noFill/>
+            <a:miter lim="800000"/>
+          </a:ln>
+        </p:spPr>
+        <p:txBody>
+          <a:bodyPr wrap="square">
+            <a:spAutoFit/>
+          </a:bodyPr>
+          <a:lstStyle/>
+          <a:p>
+            <a:pPr algn="ctr"/>
+            <a:r>
+              <a:rPr lang="en-US" sz="5400" b="1" dirty="0">
+                <a:solidFill>
+                  <a:srgbClr val="000066"/>
+                </a:solidFill>
+              </a:rPr>
+              <a:t>2</a:t>
+            </a:r>
+            <a:r>
+              <a:rPr lang="en-US" sz="5400" b="1" dirty="0" smtClean="0">
+                <a:solidFill>
+                  <a:srgbClr val="000066"/>
+                </a:solidFill>
+              </a:rPr>
+              <a:t>.</a:t>
+            </a:r>
+            <a:endParaRPr lang="en-US" sz="5400" b="1" dirty="0">
+              <a:solidFill>
+                <a:srgbClr val="000066"/>
+              </a:solidFill>
             </a:endParaRPr>
           </a:p>
         </p:txBody>
@@ -3639,11 +3710,13 @@
         </p:nvSpPr>
         <p:spPr/>
         <p:txBody>
-          <a:bodyPr/>
-          <a:lstStyle/>
-          <a:p>
-            <a:r>
-              <a:rPr lang="zh-TW" altLang="en-US" b="1" dirty="0" smtClean="0">
+          <a:bodyPr>
+            <a:normAutofit/>
+          </a:bodyPr>
+          <a:lstStyle/>
+          <a:p>
+            <a:r>
+              <a:rPr lang="zh-TW" altLang="en-US" sz="4800" b="1" dirty="0">
                 <a:solidFill>
                   <a:srgbClr val="000066"/>
                 </a:solidFill>
@@ -3652,7 +3725,7 @@
               </a:rPr>
               <a:t>凡是願意者</a:t>
             </a:r>
-            <a:endParaRPr lang="zh-TW" altLang="en-US" b="1" dirty="0">
+            <a:endParaRPr lang="zh-TW" altLang="en-US" sz="4800" b="1" dirty="0">
               <a:solidFill>
                 <a:srgbClr val="000066"/>
               </a:solidFill>
@@ -3683,7 +3756,7 @@
               <a:buNone/>
             </a:pPr>
             <a:r>
-              <a:rPr lang="zh-CN" altLang="en-US" sz="5400" b="1" dirty="0" smtClean="0">
+              <a:rPr lang="zh-CN" altLang="en-US" sz="5400" b="1" dirty="0">
                 <a:solidFill>
                   <a:srgbClr val="000066"/>
                 </a:solidFill>
@@ -3692,7 +3765,7 @@
               </a:rPr>
               <a:t>凡是願意者  凡是願意者</a:t>
             </a:r>
-            <a:endParaRPr lang="en-US" altLang="zh-CN" sz="5400" b="1" dirty="0" smtClean="0">
+            <a:endParaRPr lang="en-US" altLang="zh-CN" sz="5400" b="1" dirty="0">
               <a:solidFill>
                 <a:srgbClr val="000066"/>
               </a:solidFill>
@@ -3705,7 +3778,7 @@
               <a:buNone/>
             </a:pPr>
             <a:r>
-              <a:rPr lang="zh-CN" altLang="en-US" sz="5400" b="1" dirty="0" smtClean="0">
+              <a:rPr lang="zh-CN" altLang="en-US" sz="5400" b="1" dirty="0">
                 <a:solidFill>
                   <a:srgbClr val="000066"/>
                 </a:solidFill>
@@ -3714,7 +3787,7 @@
               </a:rPr>
               <a:t>無論男女老幼請及早悔改</a:t>
             </a:r>
-            <a:endParaRPr lang="en-US" altLang="zh-CN" sz="5400" b="1" dirty="0" smtClean="0">
+            <a:endParaRPr lang="en-US" altLang="zh-CN" sz="5400" b="1" dirty="0">
               <a:solidFill>
                 <a:srgbClr val="000066"/>
               </a:solidFill>
@@ -3727,26 +3800,16 @@
               <a:buNone/>
             </a:pPr>
             <a:r>
-              <a:rPr lang="zh-CN" altLang="en-US" sz="5400" b="1" dirty="0" smtClean="0">
+              <a:rPr lang="zh-CN" altLang="en-US" sz="5400" b="1" dirty="0">
                 <a:solidFill>
                   <a:srgbClr val="000066"/>
                 </a:solidFill>
                 <a:latin typeface="微軟正黑體" pitchFamily="34" charset="-120"/>
                 <a:ea typeface="微軟正黑體" pitchFamily="34" charset="-120"/>
               </a:rPr>
-              <a:t>這</a:t>
-            </a:r>
-            <a:r>
-              <a:rPr lang="zh-CN" altLang="en-US" sz="5400" b="1" dirty="0" smtClean="0">
-                <a:solidFill>
-                  <a:srgbClr val="000066"/>
-                </a:solidFill>
-                <a:latin typeface="微軟正黑體" pitchFamily="34" charset="-120"/>
-                <a:ea typeface="微軟正黑體" pitchFamily="34" charset="-120"/>
-              </a:rPr>
-              <a:t>是慈愛天父喚浪子回家</a:t>
-            </a:r>
-            <a:endParaRPr lang="en-US" altLang="zh-CN" sz="5400" b="1" dirty="0" smtClean="0">
+              <a:t>這是慈愛天父喚浪子回家</a:t>
+            </a:r>
+            <a:endParaRPr lang="en-US" altLang="zh-CN" sz="5400" b="1" dirty="0">
               <a:solidFill>
                 <a:srgbClr val="000066"/>
               </a:solidFill>
@@ -3759,14 +3822,14 @@
               <a:buNone/>
             </a:pPr>
             <a:r>
-              <a:rPr lang="zh-CN" altLang="en-US" sz="5400" b="1" dirty="0" smtClean="0">
+              <a:rPr lang="zh-CN" altLang="en-US" sz="5400" b="1" dirty="0">
                 <a:solidFill>
                   <a:srgbClr val="000066"/>
                 </a:solidFill>
                 <a:latin typeface="微軟正黑體" pitchFamily="34" charset="-120"/>
                 <a:ea typeface="微軟正黑體" pitchFamily="34" charset="-120"/>
               </a:rPr>
-              <a:t>凡是願意者</a:t>
+              <a:t>凡是願意者可來</a:t>
             </a:r>
             <a:endParaRPr lang="zh-TW" altLang="en-US" sz="5400" b="1" dirty="0">
               <a:solidFill>
@@ -3815,11 +3878,13 @@
         </p:nvSpPr>
         <p:spPr/>
         <p:txBody>
-          <a:bodyPr/>
-          <a:lstStyle/>
-          <a:p>
-            <a:r>
-              <a:rPr lang="zh-TW" altLang="en-US" b="1" dirty="0" smtClean="0">
+          <a:bodyPr>
+            <a:normAutofit/>
+          </a:bodyPr>
+          <a:lstStyle/>
+          <a:p>
+            <a:r>
+              <a:rPr lang="zh-TW" altLang="en-US" sz="4800" b="1" dirty="0">
                 <a:solidFill>
                   <a:srgbClr val="000066"/>
                 </a:solidFill>
@@ -3828,7 +3893,7 @@
               </a:rPr>
               <a:t>凡是願意者</a:t>
             </a:r>
-            <a:endParaRPr lang="zh-TW" altLang="en-US" b="1" dirty="0">
+            <a:endParaRPr lang="zh-TW" altLang="en-US" sz="4800" b="1" dirty="0">
               <a:solidFill>
                 <a:srgbClr val="000066"/>
               </a:solidFill>
@@ -3859,7 +3924,7 @@
               <a:buNone/>
             </a:pPr>
             <a:r>
-              <a:rPr lang="zh-CN" altLang="en-US" sz="5400" b="1" dirty="0" smtClean="0">
+              <a:rPr lang="zh-CN" altLang="en-US" sz="5400" b="1" dirty="0">
                 <a:solidFill>
                   <a:srgbClr val="000066"/>
                 </a:solidFill>
@@ -3868,7 +3933,7 @@
               </a:rPr>
               <a:t>無論何人願意  這應許是真</a:t>
             </a:r>
-            <a:endParaRPr lang="en-US" altLang="zh-CN" sz="5400" b="1" dirty="0" smtClean="0">
+            <a:endParaRPr lang="en-US" altLang="zh-CN" sz="5400" b="1" dirty="0">
               <a:solidFill>
                 <a:srgbClr val="000066"/>
               </a:solidFill>
@@ -3881,7 +3946,7 @@
               <a:buNone/>
             </a:pPr>
             <a:r>
-              <a:rPr lang="zh-CN" altLang="en-US" sz="5400" b="1" dirty="0" smtClean="0">
+              <a:rPr lang="zh-CN" altLang="en-US" sz="5400" b="1" dirty="0">
                 <a:solidFill>
                   <a:srgbClr val="000066"/>
                 </a:solidFill>
@@ -3890,7 +3955,7 @@
               </a:rPr>
               <a:t>無論何人願意  可來得永生</a:t>
             </a:r>
-            <a:endParaRPr lang="en-US" altLang="zh-CN" sz="5400" b="1" dirty="0" smtClean="0">
+            <a:endParaRPr lang="en-US" altLang="zh-CN" sz="5400" b="1" dirty="0">
               <a:solidFill>
                 <a:srgbClr val="000066"/>
               </a:solidFill>
@@ -3903,7 +3968,7 @@
               <a:buNone/>
             </a:pPr>
             <a:r>
-              <a:rPr lang="zh-CN" altLang="en-US" sz="5400" b="1" dirty="0" smtClean="0">
+              <a:rPr lang="zh-CN" altLang="en-US" sz="5400" b="1" dirty="0">
                 <a:solidFill>
                   <a:srgbClr val="000066"/>
                 </a:solidFill>
@@ -3912,7 +3977,7 @@
               </a:rPr>
               <a:t>無論何人願意  藉主能得勝</a:t>
             </a:r>
-            <a:endParaRPr lang="en-US" altLang="zh-CN" sz="5400" b="1" dirty="0" smtClean="0">
+            <a:endParaRPr lang="en-US" altLang="zh-CN" sz="5400" b="1" dirty="0">
               <a:solidFill>
                 <a:srgbClr val="000066"/>
               </a:solidFill>
@@ -3925,7 +3990,7 @@
               <a:buNone/>
             </a:pPr>
             <a:r>
-              <a:rPr lang="zh-CN" altLang="en-US" sz="5400" b="1" dirty="0" smtClean="0">
+              <a:rPr lang="zh-CN" altLang="en-US" sz="5400" b="1" dirty="0">
                 <a:solidFill>
                   <a:srgbClr val="000066"/>
                 </a:solidFill>
@@ -3940,6 +4005,57 @@
               </a:solidFill>
               <a:latin typeface="微軟正黑體" pitchFamily="34" charset="-120"/>
               <a:ea typeface="微軟正黑體" pitchFamily="34" charset="-120"/>
+            </a:endParaRPr>
+          </a:p>
+        </p:txBody>
+      </p:sp>
+      <p:sp>
+        <p:nvSpPr>
+          <p:cNvPr id="6" name="Text Box 1"/>
+          <p:cNvSpPr txBox="1"/>
+          <p:nvPr/>
+        </p:nvSpPr>
+        <p:spPr>
+          <a:xfrm>
+            <a:off x="407368" y="1700808"/>
+            <a:ext cx="1193960" cy="923330"/>
+          </a:xfrm>
+          <a:prstGeom prst="rect">
+            <a:avLst/>
+          </a:prstGeom>
+          <a:noFill/>
+          <a:ln w="9525">
+            <a:noFill/>
+            <a:miter lim="800000"/>
+          </a:ln>
+        </p:spPr>
+        <p:txBody>
+          <a:bodyPr wrap="square">
+            <a:spAutoFit/>
+          </a:bodyPr>
+          <a:lstStyle/>
+          <a:p>
+            <a:pPr algn="ctr"/>
+            <a:r>
+              <a:rPr lang="en-US" sz="5400" b="1" dirty="0">
+                <a:solidFill>
+                  <a:srgbClr val="000066"/>
+                </a:solidFill>
+              </a:rPr>
+              <a:t>3</a:t>
+            </a:r>
+            <a:r>
+              <a:rPr lang="en-US" sz="5400" b="1" dirty="0" smtClean="0">
+                <a:solidFill>
+                  <a:srgbClr val="000066"/>
+                </a:solidFill>
+              </a:rPr>
+              <a:t>.</a:t>
+            </a:r>
+            <a:endParaRPr lang="en-US" sz="5400" b="1" dirty="0">
+              <a:solidFill>
+                <a:srgbClr val="000066"/>
+              </a:solidFill>
             </a:endParaRPr>
           </a:p>
         </p:txBody>
@@ -3981,11 +4097,13 @@
         </p:nvSpPr>
         <p:spPr/>
         <p:txBody>
-          <a:bodyPr/>
-          <a:lstStyle/>
-          <a:p>
-            <a:r>
-              <a:rPr lang="zh-TW" altLang="en-US" b="1" dirty="0" smtClean="0">
+          <a:bodyPr>
+            <a:normAutofit/>
+          </a:bodyPr>
+          <a:lstStyle/>
+          <a:p>
+            <a:r>
+              <a:rPr lang="zh-TW" altLang="en-US" sz="4800" b="1" dirty="0">
                 <a:solidFill>
                   <a:srgbClr val="000066"/>
                 </a:solidFill>
@@ -3994,7 +4112,7 @@
               </a:rPr>
               <a:t>凡是願意者</a:t>
             </a:r>
-            <a:endParaRPr lang="zh-TW" altLang="en-US" b="1" dirty="0">
+            <a:endParaRPr lang="zh-TW" altLang="en-US" sz="4800" b="1" dirty="0">
               <a:solidFill>
                 <a:srgbClr val="000066"/>
               </a:solidFill>
@@ -4025,7 +4143,7 @@
               <a:buNone/>
             </a:pPr>
             <a:r>
-              <a:rPr lang="zh-CN" altLang="en-US" sz="5400" b="1" dirty="0" smtClean="0">
+              <a:rPr lang="zh-CN" altLang="en-US" sz="5400" b="1" dirty="0">
                 <a:solidFill>
                   <a:srgbClr val="000066"/>
                 </a:solidFill>
@@ -4034,7 +4152,7 @@
               </a:rPr>
               <a:t>凡是願意者  凡是願意者</a:t>
             </a:r>
-            <a:endParaRPr lang="en-US" altLang="zh-CN" sz="5400" b="1" dirty="0" smtClean="0">
+            <a:endParaRPr lang="en-US" altLang="zh-CN" sz="5400" b="1" dirty="0">
               <a:solidFill>
                 <a:srgbClr val="000066"/>
               </a:solidFill>
@@ -4047,7 +4165,7 @@
               <a:buNone/>
             </a:pPr>
             <a:r>
-              <a:rPr lang="zh-CN" altLang="en-US" sz="5400" b="1" dirty="0" smtClean="0">
+              <a:rPr lang="zh-CN" altLang="en-US" sz="5400" b="1" dirty="0">
                 <a:solidFill>
                   <a:srgbClr val="000066"/>
                 </a:solidFill>
@@ -4056,7 +4174,7 @@
               </a:rPr>
               <a:t>無論男女老幼請及早悔改</a:t>
             </a:r>
-            <a:endParaRPr lang="en-US" altLang="zh-CN" sz="5400" b="1" dirty="0" smtClean="0">
+            <a:endParaRPr lang="en-US" altLang="zh-CN" sz="5400" b="1" dirty="0">
               <a:solidFill>
                 <a:srgbClr val="000066"/>
               </a:solidFill>
@@ -4069,26 +4187,16 @@
               <a:buNone/>
             </a:pPr>
             <a:r>
-              <a:rPr lang="zh-CN" altLang="en-US" sz="5400" b="1" dirty="0" smtClean="0">
+              <a:rPr lang="zh-CN" altLang="en-US" sz="5400" b="1" dirty="0">
                 <a:solidFill>
                   <a:srgbClr val="000066"/>
                 </a:solidFill>
                 <a:latin typeface="微軟正黑體" pitchFamily="34" charset="-120"/>
                 <a:ea typeface="微軟正黑體" pitchFamily="34" charset="-120"/>
               </a:rPr>
-              <a:t>這</a:t>
-            </a:r>
-            <a:r>
-              <a:rPr lang="zh-CN" altLang="en-US" sz="5400" b="1" dirty="0" smtClean="0">
-                <a:solidFill>
-                  <a:srgbClr val="000066"/>
-                </a:solidFill>
-                <a:latin typeface="微軟正黑體" pitchFamily="34" charset="-120"/>
-                <a:ea typeface="微軟正黑體" pitchFamily="34" charset="-120"/>
-              </a:rPr>
-              <a:t>是慈愛天父喚浪子回家</a:t>
-            </a:r>
-            <a:endParaRPr lang="en-US" altLang="zh-CN" sz="5400" b="1" dirty="0" smtClean="0">
+              <a:t>這是慈愛天父喚浪子回家</a:t>
+            </a:r>
+            <a:endParaRPr lang="en-US" altLang="zh-CN" sz="5400" b="1" dirty="0">
               <a:solidFill>
                 <a:srgbClr val="000066"/>
               </a:solidFill>
@@ -4101,14 +4209,14 @@
               <a:buNone/>
             </a:pPr>
             <a:r>
-              <a:rPr lang="zh-CN" altLang="en-US" sz="5400" b="1" dirty="0" smtClean="0">
+              <a:rPr lang="zh-CN" altLang="en-US" sz="5400" b="1" dirty="0">
                 <a:solidFill>
                   <a:srgbClr val="000066"/>
                 </a:solidFill>
                 <a:latin typeface="微軟正黑體" pitchFamily="34" charset="-120"/>
                 <a:ea typeface="微軟正黑體" pitchFamily="34" charset="-120"/>
               </a:rPr>
-              <a:t>凡是願意者</a:t>
+              <a:t>凡是願意者可來</a:t>
             </a:r>
             <a:endParaRPr lang="zh-TW" altLang="en-US" sz="5400" b="1" dirty="0">
               <a:solidFill>
